--- a/samples/LearnTV/resources/architecture.pptx
+++ b/samples/LearnTV/resources/architecture.pptx
@@ -3361,7 +3361,7 @@
         </p:nvSpPr>
         <p:spPr>
           <a:xfrm>
-            <a:off x="371201" y="1213618"/>
+            <a:off x="371201" y="1423343"/>
             <a:ext cx="1689758" cy="707886"/>
           </a:xfrm>
           <a:prstGeom prst="rect">
@@ -3501,7 +3501,7 @@
         </p:nvSpPr>
         <p:spPr>
           <a:xfrm>
-            <a:off x="3439302" y="1367506"/>
+            <a:off x="3439302" y="1423343"/>
             <a:ext cx="2794419" cy="400110"/>
           </a:xfrm>
           <a:prstGeom prst="rect">
@@ -4560,7 +4560,7 @@
         </p:nvSpPr>
         <p:spPr>
           <a:xfrm>
-            <a:off x="7174196" y="1365646"/>
+            <a:off x="7174196" y="1423343"/>
             <a:ext cx="2675797" cy="400110"/>
           </a:xfrm>
           <a:prstGeom prst="rect">
@@ -4585,51 +4585,6 @@
           </a:p>
         </p:txBody>
       </p:sp>
-      <p:pic>
-        <p:nvPicPr>
-          <p:cNvPr id="1034" name="Picture 10">
-            <a:extLst>
-              <a:ext uri="{FF2B5EF4-FFF2-40B4-BE49-F238E27FC236}">
-                <a16:creationId xmlns:a16="http://schemas.microsoft.com/office/drawing/2014/main" id="{0771BE42-1706-4FC7-8ECF-65EFCA151091}"/>
-              </a:ext>
-            </a:extLst>
-          </p:cNvPr>
-          <p:cNvPicPr>
-            <a:picLocks noChangeAspect="1" noChangeArrowheads="1"/>
-          </p:cNvPicPr>
-          <p:nvPr/>
-        </p:nvPicPr>
-        <p:blipFill rotWithShape="1">
-          <a:blip r:embed="rId4">
-            <a:extLst>
-              <a:ext uri="{28A0092B-C50C-407E-A947-70E740481C1C}">
-                <a14:useLocalDpi xmlns:a14="http://schemas.microsoft.com/office/drawing/2010/main" val="0"/>
-              </a:ext>
-            </a:extLst>
-          </a:blip>
-          <a:srcRect r="69415"/>
-          <a:stretch/>
-        </p:blipFill>
-        <p:spPr bwMode="auto">
-          <a:xfrm>
-            <a:off x="10971716" y="472705"/>
-            <a:ext cx="725836" cy="702130"/>
-          </a:xfrm>
-          <a:prstGeom prst="rect">
-            <a:avLst/>
-          </a:prstGeom>
-          <a:noFill/>
-          <a:extLst>
-            <a:ext uri="{909E8E84-426E-40DD-AFC4-6F175D3DCCD1}">
-              <a14:hiddenFill xmlns:a14="http://schemas.microsoft.com/office/drawing/2010/main">
-                <a:solidFill>
-                  <a:srgbClr val="FFFFFF"/>
-                </a:solidFill>
-              </a14:hiddenFill>
-            </a:ext>
-          </a:extLst>
-        </p:spPr>
-      </p:pic>
       <p:sp>
         <p:nvSpPr>
           <p:cNvPr id="42" name="TextBox 41">
@@ -4644,8 +4599,8 @@
         </p:nvSpPr>
         <p:spPr>
           <a:xfrm>
-            <a:off x="10550869" y="1365646"/>
-            <a:ext cx="1571461" cy="1015663"/>
+            <a:off x="10480527" y="1423343"/>
+            <a:ext cx="1641804" cy="707886"/>
           </a:xfrm>
           <a:prstGeom prst="rect">
             <a:avLst/>
@@ -4740,7 +4695,7 @@
           <p:nvPr/>
         </p:nvPicPr>
         <p:blipFill rotWithShape="1">
-          <a:blip r:embed="rId5">
+          <a:blip r:embed="rId4">
             <a:extLst>
               <a:ext uri="{28A0092B-C50C-407E-A947-70E740481C1C}">
                 <a14:useLocalDpi xmlns:a14="http://schemas.microsoft.com/office/drawing/2010/main" val="0"/>
@@ -4784,7 +4739,7 @@
         </p:nvSpPr>
         <p:spPr>
           <a:xfrm>
-            <a:off x="287383" y="5651863"/>
+            <a:off x="287383" y="5646788"/>
             <a:ext cx="2483701" cy="738664"/>
           </a:xfrm>
           <a:prstGeom prst="rect">
@@ -4819,7 +4774,7 @@
         </p:nvSpPr>
         <p:spPr>
           <a:xfrm>
-            <a:off x="3487929" y="5651863"/>
+            <a:off x="3487929" y="5646788"/>
             <a:ext cx="2483701" cy="523220"/>
           </a:xfrm>
           <a:prstGeom prst="rect">
@@ -4941,7 +4896,7 @@
           <p:nvPr/>
         </p:nvPicPr>
         <p:blipFill rotWithShape="1">
-          <a:blip r:embed="rId6"/>
+          <a:blip r:embed="rId5"/>
           <a:srcRect t="18568" r="31954"/>
           <a:stretch/>
         </p:blipFill>
@@ -4970,7 +4925,7 @@
           <p:nvPr/>
         </p:nvPicPr>
         <p:blipFill>
-          <a:blip r:embed="rId7"/>
+          <a:blip r:embed="rId6"/>
           <a:stretch>
             <a:fillRect/>
           </a:stretch>
@@ -5000,7 +4955,7 @@
           <p:nvPr/>
         </p:nvPicPr>
         <p:blipFill rotWithShape="1">
-          <a:blip r:embed="rId8">
+          <a:blip r:embed="rId7">
             <a:extLst>
               <a:ext uri="{28A0092B-C50C-407E-A947-70E740481C1C}">
                 <a14:useLocalDpi xmlns:a14="http://schemas.microsoft.com/office/drawing/2010/main" val="0"/>
@@ -5014,6 +4969,53 @@
           <a:xfrm rot="5400000">
             <a:off x="10344925" y="2889193"/>
             <a:ext cx="1887709" cy="1375591"/>
+          </a:xfrm>
+          <a:prstGeom prst="rect">
+            <a:avLst/>
+          </a:prstGeom>
+          <a:noFill/>
+          <a:extLst>
+            <a:ext uri="{909E8E84-426E-40DD-AFC4-6F175D3DCCD1}">
+              <a14:hiddenFill xmlns:a14="http://schemas.microsoft.com/office/drawing/2010/main">
+                <a:solidFill>
+                  <a:srgbClr val="FFFFFF"/>
+                </a:solidFill>
+              </a14:hiddenFill>
+            </a:ext>
+          </a:extLst>
+        </p:spPr>
+      </p:pic>
+      <p:pic>
+        <p:nvPicPr>
+          <p:cNvPr id="3" name="Picture 2">
+            <a:extLst>
+              <a:ext uri="{FF2B5EF4-FFF2-40B4-BE49-F238E27FC236}">
+                <a16:creationId xmlns:a16="http://schemas.microsoft.com/office/drawing/2014/main" id="{9AC72519-241E-4AA0-B973-8D9EFDB338AF}"/>
+              </a:ext>
+            </a:extLst>
+          </p:cNvPr>
+          <p:cNvPicPr>
+            <a:picLocks noChangeAspect="1" noChangeArrowheads="1"/>
+          </p:cNvPicPr>
+          <p:nvPr/>
+        </p:nvPicPr>
+        <p:blipFill>
+          <a:blip r:embed="rId8">
+            <a:extLst>
+              <a:ext uri="{28A0092B-C50C-407E-A947-70E740481C1C}">
+                <a14:useLocalDpi xmlns:a14="http://schemas.microsoft.com/office/drawing/2010/main" val="0"/>
+              </a:ext>
+            </a:extLst>
+          </a:blip>
+          <a:srcRect/>
+          <a:stretch>
+            <a:fillRect/>
+          </a:stretch>
+        </p:blipFill>
+        <p:spPr bwMode="auto">
+          <a:xfrm>
+            <a:off x="10467876" y="371553"/>
+            <a:ext cx="1641805" cy="916033"/>
           </a:xfrm>
           <a:prstGeom prst="rect">
             <a:avLst/>
